--- a/Dokumente/Layouts.pptx
+++ b/Dokumente/Layouts.pptx
@@ -104,6 +104,22 @@
       </a:defRPr>
     </a:lvl9pPr>
   </p:defaultTextStyle>
+  <p:extLst>
+    <p:ext uri="{EFAFB233-063F-42B5-8137-9DF3F51BA10A}">
+      <p15:sldGuideLst xmlns:p15="http://schemas.microsoft.com/office/powerpoint/2012/main">
+        <p15:guide id="1" orient="horz" pos="2160">
+          <p15:clr>
+            <a:srgbClr val="A4A3A4"/>
+          </p15:clr>
+        </p15:guide>
+        <p15:guide id="2" pos="2880">
+          <p15:clr>
+            <a:srgbClr val="A4A3A4"/>
+          </p15:clr>
+        </p15:guide>
+      </p15:sldGuideLst>
+    </p:ext>
+  </p:extLst>
 </p:presentation>
 </file>
 
@@ -288,7 +304,7 @@
           <a:p>
             <a:fld id="{2BBE3FE4-88AD-43BF-AD0B-FB4A020EBBDA}" type="datetimeFigureOut">
               <a:rPr lang="de-DE" smtClean="0"/>
-              <a:t>02.10.2015</a:t>
+              <a:t>05.10.2015</a:t>
             </a:fld>
             <a:endParaRPr lang="de-DE"/>
           </a:p>
@@ -330,7 +346,7 @@
           <a:p>
             <a:fld id="{44DFAF36-78FB-4E6A-A727-A9BFD795EEAB}" type="slidenum">
               <a:rPr lang="de-DE" smtClean="0"/>
-              <a:t>‹Nr.›</a:t>
+              <a:t>‹#›</a:t>
             </a:fld>
             <a:endParaRPr lang="de-DE"/>
           </a:p>
@@ -453,7 +469,7 @@
           <a:p>
             <a:fld id="{2BBE3FE4-88AD-43BF-AD0B-FB4A020EBBDA}" type="datetimeFigureOut">
               <a:rPr lang="de-DE" smtClean="0"/>
-              <a:t>02.10.2015</a:t>
+              <a:t>05.10.2015</a:t>
             </a:fld>
             <a:endParaRPr lang="de-DE"/>
           </a:p>
@@ -495,7 +511,7 @@
           <a:p>
             <a:fld id="{44DFAF36-78FB-4E6A-A727-A9BFD795EEAB}" type="slidenum">
               <a:rPr lang="de-DE" smtClean="0"/>
-              <a:t>‹Nr.›</a:t>
+              <a:t>‹#›</a:t>
             </a:fld>
             <a:endParaRPr lang="de-DE"/>
           </a:p>
@@ -628,7 +644,7 @@
           <a:p>
             <a:fld id="{2BBE3FE4-88AD-43BF-AD0B-FB4A020EBBDA}" type="datetimeFigureOut">
               <a:rPr lang="de-DE" smtClean="0"/>
-              <a:t>02.10.2015</a:t>
+              <a:t>05.10.2015</a:t>
             </a:fld>
             <a:endParaRPr lang="de-DE"/>
           </a:p>
@@ -670,7 +686,7 @@
           <a:p>
             <a:fld id="{44DFAF36-78FB-4E6A-A727-A9BFD795EEAB}" type="slidenum">
               <a:rPr lang="de-DE" smtClean="0"/>
-              <a:t>‹Nr.›</a:t>
+              <a:t>‹#›</a:t>
             </a:fld>
             <a:endParaRPr lang="de-DE"/>
           </a:p>
@@ -793,7 +809,7 @@
           <a:p>
             <a:fld id="{2BBE3FE4-88AD-43BF-AD0B-FB4A020EBBDA}" type="datetimeFigureOut">
               <a:rPr lang="de-DE" smtClean="0"/>
-              <a:t>02.10.2015</a:t>
+              <a:t>05.10.2015</a:t>
             </a:fld>
             <a:endParaRPr lang="de-DE"/>
           </a:p>
@@ -835,7 +851,7 @@
           <a:p>
             <a:fld id="{44DFAF36-78FB-4E6A-A727-A9BFD795EEAB}" type="slidenum">
               <a:rPr lang="de-DE" smtClean="0"/>
-              <a:t>‹Nr.›</a:t>
+              <a:t>‹#›</a:t>
             </a:fld>
             <a:endParaRPr lang="de-DE"/>
           </a:p>
@@ -1034,7 +1050,7 @@
           <a:p>
             <a:fld id="{2BBE3FE4-88AD-43BF-AD0B-FB4A020EBBDA}" type="datetimeFigureOut">
               <a:rPr lang="de-DE" smtClean="0"/>
-              <a:t>02.10.2015</a:t>
+              <a:t>05.10.2015</a:t>
             </a:fld>
             <a:endParaRPr lang="de-DE"/>
           </a:p>
@@ -1076,7 +1092,7 @@
           <a:p>
             <a:fld id="{44DFAF36-78FB-4E6A-A727-A9BFD795EEAB}" type="slidenum">
               <a:rPr lang="de-DE" smtClean="0"/>
-              <a:t>‹Nr.›</a:t>
+              <a:t>‹#›</a:t>
             </a:fld>
             <a:endParaRPr lang="de-DE"/>
           </a:p>
@@ -1317,7 +1333,7 @@
           <a:p>
             <a:fld id="{2BBE3FE4-88AD-43BF-AD0B-FB4A020EBBDA}" type="datetimeFigureOut">
               <a:rPr lang="de-DE" smtClean="0"/>
-              <a:t>02.10.2015</a:t>
+              <a:t>05.10.2015</a:t>
             </a:fld>
             <a:endParaRPr lang="de-DE"/>
           </a:p>
@@ -1359,7 +1375,7 @@
           <a:p>
             <a:fld id="{44DFAF36-78FB-4E6A-A727-A9BFD795EEAB}" type="slidenum">
               <a:rPr lang="de-DE" smtClean="0"/>
-              <a:t>‹Nr.›</a:t>
+              <a:t>‹#›</a:t>
             </a:fld>
             <a:endParaRPr lang="de-DE"/>
           </a:p>
@@ -1734,7 +1750,7 @@
           <a:p>
             <a:fld id="{2BBE3FE4-88AD-43BF-AD0B-FB4A020EBBDA}" type="datetimeFigureOut">
               <a:rPr lang="de-DE" smtClean="0"/>
-              <a:t>02.10.2015</a:t>
+              <a:t>05.10.2015</a:t>
             </a:fld>
             <a:endParaRPr lang="de-DE"/>
           </a:p>
@@ -1776,7 +1792,7 @@
           <a:p>
             <a:fld id="{44DFAF36-78FB-4E6A-A727-A9BFD795EEAB}" type="slidenum">
               <a:rPr lang="de-DE" smtClean="0"/>
-              <a:t>‹Nr.›</a:t>
+              <a:t>‹#›</a:t>
             </a:fld>
             <a:endParaRPr lang="de-DE"/>
           </a:p>
@@ -1847,7 +1863,7 @@
           <a:p>
             <a:fld id="{2BBE3FE4-88AD-43BF-AD0B-FB4A020EBBDA}" type="datetimeFigureOut">
               <a:rPr lang="de-DE" smtClean="0"/>
-              <a:t>02.10.2015</a:t>
+              <a:t>05.10.2015</a:t>
             </a:fld>
             <a:endParaRPr lang="de-DE"/>
           </a:p>
@@ -1889,7 +1905,7 @@
           <a:p>
             <a:fld id="{44DFAF36-78FB-4E6A-A727-A9BFD795EEAB}" type="slidenum">
               <a:rPr lang="de-DE" smtClean="0"/>
-              <a:t>‹Nr.›</a:t>
+              <a:t>‹#›</a:t>
             </a:fld>
             <a:endParaRPr lang="de-DE"/>
           </a:p>
@@ -1937,7 +1953,7 @@
           <a:p>
             <a:fld id="{2BBE3FE4-88AD-43BF-AD0B-FB4A020EBBDA}" type="datetimeFigureOut">
               <a:rPr lang="de-DE" smtClean="0"/>
-              <a:t>02.10.2015</a:t>
+              <a:t>05.10.2015</a:t>
             </a:fld>
             <a:endParaRPr lang="de-DE"/>
           </a:p>
@@ -1979,7 +1995,7 @@
           <a:p>
             <a:fld id="{44DFAF36-78FB-4E6A-A727-A9BFD795EEAB}" type="slidenum">
               <a:rPr lang="de-DE" smtClean="0"/>
-              <a:t>‹Nr.›</a:t>
+              <a:t>‹#›</a:t>
             </a:fld>
             <a:endParaRPr lang="de-DE"/>
           </a:p>
@@ -2209,7 +2225,7 @@
           <a:p>
             <a:fld id="{2BBE3FE4-88AD-43BF-AD0B-FB4A020EBBDA}" type="datetimeFigureOut">
               <a:rPr lang="de-DE" smtClean="0"/>
-              <a:t>02.10.2015</a:t>
+              <a:t>05.10.2015</a:t>
             </a:fld>
             <a:endParaRPr lang="de-DE"/>
           </a:p>
@@ -2251,7 +2267,7 @@
           <a:p>
             <a:fld id="{44DFAF36-78FB-4E6A-A727-A9BFD795EEAB}" type="slidenum">
               <a:rPr lang="de-DE" smtClean="0"/>
-              <a:t>‹Nr.›</a:t>
+              <a:t>‹#›</a:t>
             </a:fld>
             <a:endParaRPr lang="de-DE"/>
           </a:p>
@@ -2457,7 +2473,7 @@
           <a:p>
             <a:fld id="{2BBE3FE4-88AD-43BF-AD0B-FB4A020EBBDA}" type="datetimeFigureOut">
               <a:rPr lang="de-DE" smtClean="0"/>
-              <a:t>02.10.2015</a:t>
+              <a:t>05.10.2015</a:t>
             </a:fld>
             <a:endParaRPr lang="de-DE"/>
           </a:p>
@@ -2499,7 +2515,7 @@
           <a:p>
             <a:fld id="{44DFAF36-78FB-4E6A-A727-A9BFD795EEAB}" type="slidenum">
               <a:rPr lang="de-DE" smtClean="0"/>
-              <a:t>‹Nr.›</a:t>
+              <a:t>‹#›</a:t>
             </a:fld>
             <a:endParaRPr lang="de-DE"/>
           </a:p>
@@ -2665,7 +2681,7 @@
           <a:p>
             <a:fld id="{2BBE3FE4-88AD-43BF-AD0B-FB4A020EBBDA}" type="datetimeFigureOut">
               <a:rPr lang="de-DE" smtClean="0"/>
-              <a:t>02.10.2015</a:t>
+              <a:t>05.10.2015</a:t>
             </a:fld>
             <a:endParaRPr lang="de-DE"/>
           </a:p>
@@ -2743,7 +2759,7 @@
           <a:p>
             <a:fld id="{44DFAF36-78FB-4E6A-A727-A9BFD795EEAB}" type="slidenum">
               <a:rPr lang="de-DE" smtClean="0"/>
-              <a:t>‹Nr.›</a:t>
+              <a:t>‹#›</a:t>
             </a:fld>
             <a:endParaRPr lang="de-DE"/>
           </a:p>
@@ -4310,6 +4326,66 @@
           </a:p>
         </p:txBody>
       </p:sp>
+      <p:sp>
+        <p:nvSpPr>
+          <p:cNvPr id="2" name="TextBox 1"/>
+          <p:cNvSpPr txBox="1"/>
+          <p:nvPr/>
+        </p:nvSpPr>
+        <p:spPr>
+          <a:xfrm>
+            <a:off x="2987824" y="908720"/>
+            <a:ext cx="1952382" cy="369332"/>
+          </a:xfrm>
+          <a:prstGeom prst="rect">
+            <a:avLst/>
+          </a:prstGeom>
+          <a:noFill/>
+        </p:spPr>
+        <p:txBody>
+          <a:bodyPr wrap="square" rtlCol="0">
+            <a:spAutoFit/>
+          </a:bodyPr>
+          <a:lstStyle/>
+          <a:p>
+            <a:r>
+              <a:rPr lang="de-DE" dirty="0" smtClean="0"/>
+              <a:t>RTP (RTCP, RTSP)</a:t>
+            </a:r>
+            <a:endParaRPr lang="de-DE" dirty="0"/>
+          </a:p>
+        </p:txBody>
+      </p:sp>
+      <p:sp>
+        <p:nvSpPr>
+          <p:cNvPr id="37" name="TextBox 36"/>
+          <p:cNvSpPr txBox="1"/>
+          <p:nvPr/>
+        </p:nvSpPr>
+        <p:spPr>
+          <a:xfrm>
+            <a:off x="4463479" y="4149080"/>
+            <a:ext cx="684585" cy="369332"/>
+          </a:xfrm>
+          <a:prstGeom prst="rect">
+            <a:avLst/>
+          </a:prstGeom>
+          <a:noFill/>
+        </p:spPr>
+        <p:txBody>
+          <a:bodyPr wrap="square" rtlCol="0">
+            <a:spAutoFit/>
+          </a:bodyPr>
+          <a:lstStyle/>
+          <a:p>
+            <a:r>
+              <a:rPr lang="de-DE" dirty="0" smtClean="0"/>
+              <a:t>HTTP</a:t>
+            </a:r>
+            <a:endParaRPr lang="de-DE" dirty="0"/>
+          </a:p>
+        </p:txBody>
+      </p:sp>
     </p:spTree>
   </p:cSld>
   <p:clrMapOvr>

--- a/Dokumente/Layouts.pptx
+++ b/Dokumente/Layouts.pptx
@@ -6,6 +6,7 @@
   </p:sldMasterIdLst>
   <p:sldIdLst>
     <p:sldId id="256" r:id="rId2"/>
+    <p:sldId id="257" r:id="rId3"/>
   </p:sldIdLst>
   <p:sldSz cx="9144000" cy="6858000" type="screen4x3"/>
   <p:notesSz cx="6858000" cy="9144000"/>
@@ -4394,6 +4395,1065 @@
 </p:sld>
 </file>
 
+<file path=ppt/slides/slide2.xml><?xml version="1.0" encoding="utf-8"?>
+<p:sld xmlns:a="http://schemas.openxmlformats.org/drawingml/2006/main" xmlns:r="http://schemas.openxmlformats.org/officeDocument/2006/relationships" xmlns:p="http://schemas.openxmlformats.org/presentationml/2006/main">
+  <p:cSld>
+    <p:spTree>
+      <p:nvGrpSpPr>
+        <p:cNvPr id="1" name=""/>
+        <p:cNvGrpSpPr/>
+        <p:nvPr/>
+      </p:nvGrpSpPr>
+      <p:grpSpPr>
+        <a:xfrm>
+          <a:off x="0" y="0"/>
+          <a:ext cx="0" cy="0"/>
+          <a:chOff x="0" y="0"/>
+          <a:chExt cx="0" cy="0"/>
+        </a:xfrm>
+      </p:grpSpPr>
+      <p:pic>
+        <p:nvPicPr>
+          <p:cNvPr id="1026" name="Picture 2" descr="https://image.freepik.com/vektoren-kostenlos/strichmannchen--mannlich_17-227125523.jpg"/>
+          <p:cNvPicPr>
+            <a:picLocks noChangeAspect="1" noChangeArrowheads="1"/>
+          </p:cNvPicPr>
+          <p:nvPr/>
+        </p:nvPicPr>
+        <p:blipFill>
+          <a:blip r:embed="rId2" cstate="print">
+            <a:duotone>
+              <a:schemeClr val="accent1">
+                <a:shade val="45000"/>
+                <a:satMod val="135000"/>
+              </a:schemeClr>
+              <a:prstClr val="white"/>
+            </a:duotone>
+            <a:extLst>
+              <a:ext uri="{28A0092B-C50C-407E-A947-70E740481C1C}">
+                <a14:useLocalDpi xmlns:a14="http://schemas.microsoft.com/office/drawing/2010/main" val="0"/>
+              </a:ext>
+            </a:extLst>
+          </a:blip>
+          <a:srcRect/>
+          <a:stretch>
+            <a:fillRect/>
+          </a:stretch>
+        </p:blipFill>
+        <p:spPr bwMode="auto">
+          <a:xfrm>
+            <a:off x="303648" y="1595901"/>
+            <a:ext cx="720080" cy="720080"/>
+          </a:xfrm>
+          <a:prstGeom prst="rect">
+            <a:avLst/>
+          </a:prstGeom>
+          <a:noFill/>
+          <a:extLst>
+            <a:ext uri="{909E8E84-426E-40DD-AFC4-6F175D3DCCD1}">
+              <a14:hiddenFill xmlns:a14="http://schemas.microsoft.com/office/drawing/2010/main">
+                <a:solidFill>
+                  <a:srgbClr val="FFFFFF"/>
+                </a:solidFill>
+              </a14:hiddenFill>
+            </a:ext>
+          </a:extLst>
+        </p:spPr>
+      </p:pic>
+      <p:pic>
+        <p:nvPicPr>
+          <p:cNvPr id="1028" name="Picture 4" descr="https://image.freepik.com/vektoren-kostenlos/strichmannchen--mannlich_17-227125523.jpg"/>
+          <p:cNvPicPr>
+            <a:picLocks noChangeAspect="1" noChangeArrowheads="1"/>
+          </p:cNvPicPr>
+          <p:nvPr/>
+        </p:nvPicPr>
+        <p:blipFill>
+          <a:blip r:embed="rId2" cstate="print">
+            <a:duotone>
+              <a:schemeClr val="accent6">
+                <a:shade val="45000"/>
+                <a:satMod val="135000"/>
+              </a:schemeClr>
+              <a:prstClr val="white"/>
+            </a:duotone>
+            <a:extLst>
+              <a:ext uri="{28A0092B-C50C-407E-A947-70E740481C1C}">
+                <a14:useLocalDpi xmlns:a14="http://schemas.microsoft.com/office/drawing/2010/main" val="0"/>
+              </a:ext>
+            </a:extLst>
+          </a:blip>
+          <a:srcRect/>
+          <a:stretch>
+            <a:fillRect/>
+          </a:stretch>
+        </p:blipFill>
+        <p:spPr bwMode="auto">
+          <a:xfrm>
+            <a:off x="303648" y="2824522"/>
+            <a:ext cx="720080" cy="720080"/>
+          </a:xfrm>
+          <a:prstGeom prst="rect">
+            <a:avLst/>
+          </a:prstGeom>
+          <a:noFill/>
+          <a:extLst>
+            <a:ext uri="{909E8E84-426E-40DD-AFC4-6F175D3DCCD1}">
+              <a14:hiddenFill xmlns:a14="http://schemas.microsoft.com/office/drawing/2010/main">
+                <a:solidFill>
+                  <a:srgbClr val="FFFFFF"/>
+                </a:solidFill>
+              </a14:hiddenFill>
+            </a:ext>
+          </a:extLst>
+        </p:spPr>
+      </p:pic>
+      <p:pic>
+        <p:nvPicPr>
+          <p:cNvPr id="1030" name="Picture 6" descr="https://image.freepik.com/vektoren-kostenlos/strichmannchen--mannlich_17-227125523.jpg"/>
+          <p:cNvPicPr>
+            <a:picLocks noChangeAspect="1" noChangeArrowheads="1"/>
+          </p:cNvPicPr>
+          <p:nvPr/>
+        </p:nvPicPr>
+        <p:blipFill>
+          <a:blip r:embed="rId2" cstate="print">
+            <a:extLst>
+              <a:ext uri="{28A0092B-C50C-407E-A947-70E740481C1C}">
+                <a14:useLocalDpi xmlns:a14="http://schemas.microsoft.com/office/drawing/2010/main" val="0"/>
+              </a:ext>
+            </a:extLst>
+          </a:blip>
+          <a:srcRect/>
+          <a:stretch>
+            <a:fillRect/>
+          </a:stretch>
+        </p:blipFill>
+        <p:spPr bwMode="auto">
+          <a:xfrm>
+            <a:off x="303649" y="404664"/>
+            <a:ext cx="720080" cy="720080"/>
+          </a:xfrm>
+          <a:prstGeom prst="rect">
+            <a:avLst/>
+          </a:prstGeom>
+          <a:noFill/>
+          <a:extLst>
+            <a:ext uri="{909E8E84-426E-40DD-AFC4-6F175D3DCCD1}">
+              <a14:hiddenFill xmlns:a14="http://schemas.microsoft.com/office/drawing/2010/main">
+                <a:solidFill>
+                  <a:srgbClr val="FFFFFF"/>
+                </a:solidFill>
+              </a14:hiddenFill>
+            </a:ext>
+          </a:extLst>
+        </p:spPr>
+      </p:pic>
+      <p:sp>
+        <p:nvSpPr>
+          <p:cNvPr id="5" name="TextBox 4"/>
+          <p:cNvSpPr txBox="1"/>
+          <p:nvPr/>
+        </p:nvSpPr>
+        <p:spPr>
+          <a:xfrm>
+            <a:off x="303649" y="1124744"/>
+            <a:ext cx="1676063" cy="523220"/>
+          </a:xfrm>
+          <a:prstGeom prst="rect">
+            <a:avLst/>
+          </a:prstGeom>
+          <a:noFill/>
+        </p:spPr>
+        <p:txBody>
+          <a:bodyPr wrap="square" rtlCol="0">
+            <a:spAutoFit/>
+          </a:bodyPr>
+          <a:lstStyle/>
+          <a:p>
+            <a:r>
+              <a:rPr lang="de-DE" sz="1400" dirty="0" smtClean="0"/>
+              <a:t>Sebastian</a:t>
+            </a:r>
+            <a:br>
+              <a:rPr lang="de-DE" sz="1400" dirty="0" smtClean="0"/>
+            </a:br>
+            <a:r>
+              <a:rPr lang="de-DE" sz="1400" dirty="0" smtClean="0"/>
+              <a:t>Adams</a:t>
+            </a:r>
+            <a:endParaRPr lang="de-DE" sz="1400" dirty="0"/>
+          </a:p>
+        </p:txBody>
+      </p:sp>
+      <p:sp>
+        <p:nvSpPr>
+          <p:cNvPr id="9" name="TextBox 8"/>
+          <p:cNvSpPr txBox="1"/>
+          <p:nvPr/>
+        </p:nvSpPr>
+        <p:spPr>
+          <a:xfrm>
+            <a:off x="303647" y="2319466"/>
+            <a:ext cx="1676063" cy="307777"/>
+          </a:xfrm>
+          <a:prstGeom prst="rect">
+            <a:avLst/>
+          </a:prstGeom>
+          <a:noFill/>
+        </p:spPr>
+        <p:txBody>
+          <a:bodyPr wrap="square" rtlCol="0">
+            <a:spAutoFit/>
+          </a:bodyPr>
+          <a:lstStyle/>
+          <a:p>
+            <a:r>
+              <a:rPr lang="de-DE" sz="1400" dirty="0" smtClean="0"/>
+              <a:t>Fabian Schäfer</a:t>
+            </a:r>
+            <a:endParaRPr lang="de-DE" sz="1400" dirty="0"/>
+          </a:p>
+        </p:txBody>
+      </p:sp>
+      <p:sp>
+        <p:nvSpPr>
+          <p:cNvPr id="10" name="TextBox 9"/>
+          <p:cNvSpPr txBox="1"/>
+          <p:nvPr/>
+        </p:nvSpPr>
+        <p:spPr>
+          <a:xfrm>
+            <a:off x="297548" y="3501005"/>
+            <a:ext cx="1676063" cy="307777"/>
+          </a:xfrm>
+          <a:prstGeom prst="rect">
+            <a:avLst/>
+          </a:prstGeom>
+          <a:noFill/>
+        </p:spPr>
+        <p:txBody>
+          <a:bodyPr wrap="square" rtlCol="0">
+            <a:spAutoFit/>
+          </a:bodyPr>
+          <a:lstStyle/>
+          <a:p>
+            <a:r>
+              <a:rPr lang="de-DE" sz="1400" dirty="0" smtClean="0"/>
+              <a:t>Sebastian Schmidl</a:t>
+            </a:r>
+            <a:endParaRPr lang="de-DE" sz="1400" dirty="0"/>
+          </a:p>
+        </p:txBody>
+      </p:sp>
+      <p:graphicFrame>
+        <p:nvGraphicFramePr>
+          <p:cNvPr id="6" name="Table 5"/>
+          <p:cNvGraphicFramePr>
+            <a:graphicFrameLocks noGrp="1"/>
+          </p:cNvGraphicFramePr>
+          <p:nvPr>
+            <p:extLst>
+              <p:ext uri="{D42A27DB-BD31-4B8C-83A1-F6EECF244321}">
+                <p14:modId xmlns:p14="http://schemas.microsoft.com/office/powerpoint/2010/main" val="3289198072"/>
+              </p:ext>
+            </p:extLst>
+          </p:nvPr>
+        </p:nvGraphicFramePr>
+        <p:xfrm>
+          <a:off x="2771800" y="410877"/>
+          <a:ext cx="7704856" cy="3423879"/>
+        </p:xfrm>
+        <a:graphic>
+          <a:graphicData uri="http://schemas.openxmlformats.org/drawingml/2006/table">
+            <a:tbl>
+              <a:tblPr firstRow="1" bandRow="1">
+                <a:tableStyleId>{073A0DAA-6AF3-43AB-8588-CEC1D06C72B9}</a:tableStyleId>
+              </a:tblPr>
+              <a:tblGrid>
+                <a:gridCol w="2952328"/>
+                <a:gridCol w="4752528"/>
+              </a:tblGrid>
+              <a:tr h="339791">
+                <a:tc>
+                  <a:txBody>
+                    <a:bodyPr/>
+                    <a:lstStyle/>
+                    <a:p>
+                      <a:pPr algn="l"/>
+                      <a:r>
+                        <a:rPr lang="en-US" noProof="0" dirty="0" smtClean="0"/>
+                        <a:t>Role</a:t>
+                      </a:r>
+                      <a:endParaRPr lang="en-US" noProof="0" dirty="0"/>
+                    </a:p>
+                  </a:txBody>
+                  <a:tcPr anchor="ctr"/>
+                </a:tc>
+                <a:tc>
+                  <a:txBody>
+                    <a:bodyPr/>
+                    <a:lstStyle/>
+                    <a:p>
+                      <a:pPr algn="l"/>
+                      <a:r>
+                        <a:rPr lang="en-US" noProof="0" dirty="0" smtClean="0"/>
+                        <a:t>Description</a:t>
+                      </a:r>
+                      <a:endParaRPr lang="en-US" noProof="0" dirty="0"/>
+                    </a:p>
+                  </a:txBody>
+                  <a:tcPr anchor="ctr"/>
+                </a:tc>
+              </a:tr>
+              <a:tr h="339791">
+                <a:tc>
+                  <a:txBody>
+                    <a:bodyPr/>
+                    <a:lstStyle/>
+                    <a:p>
+                      <a:r>
+                        <a:rPr lang="de-DE" sz="1400" dirty="0" err="1" smtClean="0"/>
+                        <a:t>Deployment</a:t>
+                      </a:r>
+                      <a:r>
+                        <a:rPr lang="de-DE" sz="1400" dirty="0" smtClean="0"/>
+                        <a:t> / </a:t>
+                      </a:r>
+                      <a:r>
+                        <a:rPr lang="de-DE" sz="1400" dirty="0" err="1" smtClean="0"/>
+                        <a:t>Configuration</a:t>
+                      </a:r>
+                      <a:r>
+                        <a:rPr lang="de-DE" sz="1400" dirty="0" smtClean="0"/>
+                        <a:t> Manager</a:t>
+                      </a:r>
+                    </a:p>
+                  </a:txBody>
+                  <a:tcPr anchor="ctr"/>
+                </a:tc>
+                <a:tc>
+                  <a:txBody>
+                    <a:bodyPr/>
+                    <a:lstStyle/>
+                    <a:p>
+                      <a:pPr algn="l"/>
+                      <a:r>
+                        <a:rPr lang="en-US" sz="1400" noProof="0" dirty="0" smtClean="0"/>
+                        <a:t>Oversees deployment and sets</a:t>
+                      </a:r>
+                      <a:r>
+                        <a:rPr lang="en-US" sz="1400" baseline="0" noProof="0" dirty="0" smtClean="0"/>
+                        <a:t> up development environment</a:t>
+                      </a:r>
+                      <a:endParaRPr lang="en-US" sz="1400" noProof="0" dirty="0"/>
+                    </a:p>
+                  </a:txBody>
+                  <a:tcPr anchor="ctr"/>
+                </a:tc>
+              </a:tr>
+              <a:tr h="339791">
+                <a:tc>
+                  <a:txBody>
+                    <a:bodyPr/>
+                    <a:lstStyle/>
+                    <a:p>
+                      <a:pPr algn="l"/>
+                      <a:r>
+                        <a:rPr lang="en-US" sz="1400" noProof="0" dirty="0" smtClean="0"/>
+                        <a:t>System Analyst</a:t>
+                      </a:r>
+                      <a:endParaRPr lang="en-US" sz="1400" noProof="0" dirty="0"/>
+                    </a:p>
+                  </a:txBody>
+                  <a:tcPr anchor="ctr"/>
+                </a:tc>
+                <a:tc>
+                  <a:txBody>
+                    <a:bodyPr/>
+                    <a:lstStyle/>
+                    <a:p>
+                      <a:pPr algn="l"/>
+                      <a:r>
+                        <a:rPr lang="en-US" sz="1400" noProof="0" dirty="0" smtClean="0"/>
+                        <a:t>Discovers</a:t>
+                      </a:r>
+                      <a:r>
+                        <a:rPr lang="en-US" sz="1400" baseline="0" noProof="0" dirty="0" smtClean="0"/>
+                        <a:t> all requirement use cases</a:t>
+                      </a:r>
+                      <a:endParaRPr lang="en-US" sz="1400" noProof="0" dirty="0"/>
+                    </a:p>
+                  </a:txBody>
+                  <a:tcPr anchor="ctr"/>
+                </a:tc>
+              </a:tr>
+              <a:tr h="339791">
+                <a:tc>
+                  <a:txBody>
+                    <a:bodyPr/>
+                    <a:lstStyle/>
+                    <a:p>
+                      <a:pPr algn="l"/>
+                      <a:r>
+                        <a:rPr lang="en-US" sz="1400" noProof="0" dirty="0" smtClean="0"/>
+                        <a:t>Software Architect</a:t>
+                      </a:r>
+                      <a:r>
+                        <a:rPr lang="en-US" sz="1400" baseline="0" noProof="0" dirty="0" smtClean="0"/>
+                        <a:t> Frontend</a:t>
+                      </a:r>
+                      <a:endParaRPr lang="en-US" sz="1400" noProof="0" dirty="0"/>
+                    </a:p>
+                  </a:txBody>
+                  <a:tcPr anchor="ctr"/>
+                </a:tc>
+                <a:tc>
+                  <a:txBody>
+                    <a:bodyPr/>
+                    <a:lstStyle/>
+                    <a:p>
+                      <a:pPr algn="l"/>
+                      <a:r>
+                        <a:rPr lang="en-US" sz="1400" noProof="0" dirty="0" smtClean="0"/>
+                        <a:t>Decides on technologies and</a:t>
+                      </a:r>
+                      <a:r>
+                        <a:rPr lang="en-US" sz="1400" baseline="0" noProof="0" dirty="0" smtClean="0"/>
+                        <a:t> patterns </a:t>
+                      </a:r>
+                      <a:r>
+                        <a:rPr lang="en-US" sz="1400" noProof="0" dirty="0" smtClean="0"/>
+                        <a:t>for</a:t>
+                      </a:r>
+                      <a:r>
+                        <a:rPr lang="en-US" sz="1400" baseline="0" noProof="0" dirty="0" smtClean="0"/>
+                        <a:t> the frontend</a:t>
+                      </a:r>
+                      <a:endParaRPr lang="en-US" sz="1400" noProof="0" dirty="0"/>
+                    </a:p>
+                  </a:txBody>
+                  <a:tcPr anchor="ctr"/>
+                </a:tc>
+              </a:tr>
+              <a:tr h="339791">
+                <a:tc>
+                  <a:txBody>
+                    <a:bodyPr/>
+                    <a:lstStyle/>
+                    <a:p>
+                      <a:pPr algn="l"/>
+                      <a:r>
+                        <a:rPr lang="en-US" sz="1400" noProof="0" dirty="0" smtClean="0"/>
+                        <a:t>Software Architect Backend</a:t>
+                      </a:r>
+                      <a:endParaRPr lang="en-US" sz="1400" noProof="0" dirty="0"/>
+                    </a:p>
+                  </a:txBody>
+                  <a:tcPr anchor="ctr"/>
+                </a:tc>
+                <a:tc>
+                  <a:txBody>
+                    <a:bodyPr/>
+                    <a:lstStyle/>
+                    <a:p>
+                      <a:pPr algn="l"/>
+                      <a:r>
+                        <a:rPr lang="en-US" sz="1400" noProof="0" dirty="0" smtClean="0"/>
+                        <a:t>Decides</a:t>
+                      </a:r>
+                      <a:r>
+                        <a:rPr lang="en-US" sz="1400" baseline="0" noProof="0" dirty="0" smtClean="0"/>
+                        <a:t> on technologies and patterns for the backend</a:t>
+                      </a:r>
+                      <a:endParaRPr lang="en-US" sz="1400" noProof="0" dirty="0"/>
+                    </a:p>
+                  </a:txBody>
+                  <a:tcPr anchor="ctr"/>
+                </a:tc>
+              </a:tr>
+              <a:tr h="339791">
+                <a:tc>
+                  <a:txBody>
+                    <a:bodyPr/>
+                    <a:lstStyle/>
+                    <a:p>
+                      <a:pPr algn="l"/>
+                      <a:r>
+                        <a:rPr lang="en-US" sz="1400" noProof="0" dirty="0" smtClean="0"/>
+                        <a:t>Business</a:t>
+                      </a:r>
+                      <a:r>
+                        <a:rPr lang="en-US" sz="1400" baseline="0" noProof="0" dirty="0" smtClean="0"/>
+                        <a:t> Process Analyst</a:t>
+                      </a:r>
+                      <a:endParaRPr lang="en-US" sz="1400" noProof="0" dirty="0"/>
+                    </a:p>
+                  </a:txBody>
+                  <a:tcPr anchor="ctr"/>
+                </a:tc>
+                <a:tc>
+                  <a:txBody>
+                    <a:bodyPr/>
+                    <a:lstStyle/>
+                    <a:p>
+                      <a:pPr algn="l"/>
+                      <a:r>
+                        <a:rPr lang="en-US" sz="1400" noProof="0" dirty="0" smtClean="0"/>
+                        <a:t>Discovers all business</a:t>
+                      </a:r>
+                      <a:r>
+                        <a:rPr lang="en-US" sz="1400" baseline="0" noProof="0" dirty="0" smtClean="0"/>
+                        <a:t> use cases</a:t>
+                      </a:r>
+                      <a:endParaRPr lang="en-US" sz="1400" noProof="0" dirty="0"/>
+                    </a:p>
+                  </a:txBody>
+                  <a:tcPr anchor="ctr"/>
+                </a:tc>
+              </a:tr>
+              <a:tr h="339791">
+                <a:tc>
+                  <a:txBody>
+                    <a:bodyPr/>
+                    <a:lstStyle/>
+                    <a:p>
+                      <a:pPr marL="0" marR="0" indent="0" algn="l" defTabSz="914400" rtl="0" eaLnBrk="1" fontAlgn="auto" latinLnBrk="0" hangingPunct="1">
+                        <a:lnSpc>
+                          <a:spcPct val="100000"/>
+                        </a:lnSpc>
+                        <a:spcBef>
+                          <a:spcPts val="0"/>
+                        </a:spcBef>
+                        <a:spcAft>
+                          <a:spcPts val="0"/>
+                        </a:spcAft>
+                        <a:buClrTx/>
+                        <a:buSzTx/>
+                        <a:buFontTx/>
+                        <a:buNone/>
+                        <a:tabLst/>
+                        <a:defRPr/>
+                      </a:pPr>
+                      <a:r>
+                        <a:rPr lang="en-US" sz="1400" noProof="0" dirty="0" smtClean="0"/>
+                        <a:t>Designer</a:t>
+                      </a:r>
+                    </a:p>
+                  </a:txBody>
+                  <a:tcPr anchor="ctr"/>
+                </a:tc>
+                <a:tc>
+                  <a:txBody>
+                    <a:bodyPr/>
+                    <a:lstStyle/>
+                    <a:p>
+                      <a:pPr algn="l"/>
+                      <a:r>
+                        <a:rPr lang="en-US" sz="1400" noProof="0" dirty="0" smtClean="0"/>
+                        <a:t>Details the analysis and design for use cases</a:t>
+                      </a:r>
+                      <a:endParaRPr lang="en-US" sz="1400" noProof="0" dirty="0"/>
+                    </a:p>
+                  </a:txBody>
+                  <a:tcPr anchor="ctr"/>
+                </a:tc>
+              </a:tr>
+              <a:tr h="339791">
+                <a:tc>
+                  <a:txBody>
+                    <a:bodyPr/>
+                    <a:lstStyle/>
+                    <a:p>
+                      <a:pPr algn="l"/>
+                      <a:r>
+                        <a:rPr lang="en-US" sz="1400" noProof="0" dirty="0" smtClean="0"/>
+                        <a:t>Test Manager</a:t>
+                      </a:r>
+                    </a:p>
+                  </a:txBody>
+                  <a:tcPr anchor="ctr"/>
+                </a:tc>
+                <a:tc>
+                  <a:txBody>
+                    <a:bodyPr/>
+                    <a:lstStyle/>
+                    <a:p>
+                      <a:pPr algn="l"/>
+                      <a:r>
+                        <a:rPr lang="en-US" sz="1400" noProof="0" dirty="0" smtClean="0"/>
+                        <a:t>Select</a:t>
+                      </a:r>
+                      <a:r>
+                        <a:rPr lang="en-US" sz="1400" baseline="0" noProof="0" dirty="0" smtClean="0"/>
+                        <a:t> tests and ensures that testing is complete</a:t>
+                      </a:r>
+                      <a:endParaRPr lang="en-US" sz="1400" noProof="0" dirty="0"/>
+                    </a:p>
+                  </a:txBody>
+                  <a:tcPr anchor="ctr"/>
+                </a:tc>
+              </a:tr>
+              <a:tr h="339791">
+                <a:tc>
+                  <a:txBody>
+                    <a:bodyPr/>
+                    <a:lstStyle/>
+                    <a:p>
+                      <a:pPr marL="0" marR="0" indent="0" algn="l" defTabSz="914400" rtl="0" eaLnBrk="1" fontAlgn="auto" latinLnBrk="0" hangingPunct="1">
+                        <a:lnSpc>
+                          <a:spcPct val="100000"/>
+                        </a:lnSpc>
+                        <a:spcBef>
+                          <a:spcPts val="0"/>
+                        </a:spcBef>
+                        <a:spcAft>
+                          <a:spcPts val="0"/>
+                        </a:spcAft>
+                        <a:buClrTx/>
+                        <a:buSzTx/>
+                        <a:buFontTx/>
+                        <a:buNone/>
+                        <a:tabLst/>
+                        <a:defRPr/>
+                      </a:pPr>
+                      <a:r>
+                        <a:rPr lang="en-US" sz="1400" noProof="0" dirty="0" smtClean="0"/>
+                        <a:t>Project</a:t>
+                      </a:r>
+                      <a:r>
+                        <a:rPr lang="en-US" sz="1400" baseline="0" noProof="0" dirty="0" smtClean="0"/>
+                        <a:t> Manager</a:t>
+                      </a:r>
+                      <a:endParaRPr lang="en-US" sz="1400" noProof="0" dirty="0" smtClean="0"/>
+                    </a:p>
+                  </a:txBody>
+                  <a:tcPr anchor="ctr"/>
+                </a:tc>
+                <a:tc>
+                  <a:txBody>
+                    <a:bodyPr/>
+                    <a:lstStyle/>
+                    <a:p>
+                      <a:pPr algn="l"/>
+                      <a:r>
+                        <a:rPr lang="en-US" sz="1400" noProof="0" dirty="0" smtClean="0"/>
+                        <a:t>Plan, tracks</a:t>
+                      </a:r>
+                      <a:r>
+                        <a:rPr lang="en-US" sz="1400" baseline="0" noProof="0" dirty="0" smtClean="0"/>
+                        <a:t> and manages project</a:t>
+                      </a:r>
+                      <a:endParaRPr lang="en-US" sz="1400" noProof="0" dirty="0"/>
+                    </a:p>
+                  </a:txBody>
+                  <a:tcPr anchor="ctr"/>
+                </a:tc>
+              </a:tr>
+              <a:tr h="339791">
+                <a:tc>
+                  <a:txBody>
+                    <a:bodyPr/>
+                    <a:lstStyle/>
+                    <a:p>
+                      <a:pPr algn="l"/>
+                      <a:r>
+                        <a:rPr lang="en-US" sz="1400" noProof="0" dirty="0" smtClean="0"/>
+                        <a:t>Implementer</a:t>
+                      </a:r>
+                    </a:p>
+                  </a:txBody>
+                  <a:tcPr anchor="ctr"/>
+                </a:tc>
+                <a:tc>
+                  <a:txBody>
+                    <a:bodyPr/>
+                    <a:lstStyle/>
+                    <a:p>
+                      <a:pPr algn="l"/>
+                      <a:r>
+                        <a:rPr lang="en-US" sz="1400" noProof="0" dirty="0" smtClean="0"/>
+                        <a:t>Develop and implement</a:t>
+                      </a:r>
+                      <a:r>
+                        <a:rPr lang="en-US" sz="1400" baseline="0" noProof="0" dirty="0" smtClean="0"/>
+                        <a:t> specific functionalities</a:t>
+                      </a:r>
+                      <a:endParaRPr lang="en-US" sz="1400" noProof="0" dirty="0"/>
+                    </a:p>
+                  </a:txBody>
+                  <a:tcPr anchor="ctr"/>
+                </a:tc>
+              </a:tr>
+            </a:tbl>
+          </a:graphicData>
+        </a:graphic>
+      </p:graphicFrame>
+      <p:cxnSp>
+        <p:nvCxnSpPr>
+          <p:cNvPr id="8" name="Straight Connector 7"/>
+          <p:cNvCxnSpPr>
+            <a:stCxn id="1030" idx="3"/>
+          </p:cNvCxnSpPr>
+          <p:nvPr/>
+        </p:nvCxnSpPr>
+        <p:spPr>
+          <a:xfrm>
+            <a:off x="1023729" y="764704"/>
+            <a:ext cx="1748071" cy="523420"/>
+          </a:xfrm>
+          <a:prstGeom prst="line">
+            <a:avLst/>
+          </a:prstGeom>
+        </p:spPr>
+        <p:style>
+          <a:lnRef idx="2">
+            <a:schemeClr val="dk1"/>
+          </a:lnRef>
+          <a:fillRef idx="0">
+            <a:schemeClr val="dk1"/>
+          </a:fillRef>
+          <a:effectRef idx="1">
+            <a:schemeClr val="dk1"/>
+          </a:effectRef>
+          <a:fontRef idx="minor">
+            <a:schemeClr val="tx1"/>
+          </a:fontRef>
+        </p:style>
+      </p:cxnSp>
+      <p:cxnSp>
+        <p:nvCxnSpPr>
+          <p:cNvPr id="17" name="Straight Connector 16"/>
+          <p:cNvCxnSpPr>
+            <a:stCxn id="1030" idx="3"/>
+          </p:cNvCxnSpPr>
+          <p:nvPr/>
+        </p:nvCxnSpPr>
+        <p:spPr>
+          <a:xfrm>
+            <a:off x="1023729" y="764704"/>
+            <a:ext cx="1748071" cy="144016"/>
+          </a:xfrm>
+          <a:prstGeom prst="line">
+            <a:avLst/>
+          </a:prstGeom>
+        </p:spPr>
+        <p:style>
+          <a:lnRef idx="2">
+            <a:schemeClr val="dk1"/>
+          </a:lnRef>
+          <a:fillRef idx="0">
+            <a:schemeClr val="dk1"/>
+          </a:fillRef>
+          <a:effectRef idx="1">
+            <a:schemeClr val="dk1"/>
+          </a:effectRef>
+          <a:fontRef idx="minor">
+            <a:schemeClr val="tx1"/>
+          </a:fontRef>
+        </p:style>
+      </p:cxnSp>
+      <p:cxnSp>
+        <p:nvCxnSpPr>
+          <p:cNvPr id="20" name="Straight Connector 19"/>
+          <p:cNvCxnSpPr>
+            <a:stCxn id="1030" idx="3"/>
+          </p:cNvCxnSpPr>
+          <p:nvPr/>
+        </p:nvCxnSpPr>
+        <p:spPr>
+          <a:xfrm>
+            <a:off x="1023729" y="764704"/>
+            <a:ext cx="1748071" cy="2880320"/>
+          </a:xfrm>
+          <a:prstGeom prst="line">
+            <a:avLst/>
+          </a:prstGeom>
+        </p:spPr>
+        <p:style>
+          <a:lnRef idx="2">
+            <a:schemeClr val="dk1"/>
+          </a:lnRef>
+          <a:fillRef idx="0">
+            <a:schemeClr val="dk1"/>
+          </a:fillRef>
+          <a:effectRef idx="1">
+            <a:schemeClr val="dk1"/>
+          </a:effectRef>
+          <a:fontRef idx="minor">
+            <a:schemeClr val="tx1"/>
+          </a:fontRef>
+        </p:style>
+      </p:cxnSp>
+      <p:cxnSp>
+        <p:nvCxnSpPr>
+          <p:cNvPr id="23" name="Straight Connector 22"/>
+          <p:cNvCxnSpPr>
+            <a:stCxn id="1026" idx="3"/>
+          </p:cNvCxnSpPr>
+          <p:nvPr/>
+        </p:nvCxnSpPr>
+        <p:spPr>
+          <a:xfrm>
+            <a:off x="1023728" y="1955941"/>
+            <a:ext cx="1748072" cy="353827"/>
+          </a:xfrm>
+          <a:prstGeom prst="line">
+            <a:avLst/>
+          </a:prstGeom>
+        </p:spPr>
+        <p:style>
+          <a:lnRef idx="2">
+            <a:schemeClr val="accent1"/>
+          </a:lnRef>
+          <a:fillRef idx="0">
+            <a:schemeClr val="accent1"/>
+          </a:fillRef>
+          <a:effectRef idx="1">
+            <a:schemeClr val="accent1"/>
+          </a:effectRef>
+          <a:fontRef idx="minor">
+            <a:schemeClr val="tx1"/>
+          </a:fontRef>
+        </p:style>
+      </p:cxnSp>
+      <p:cxnSp>
+        <p:nvCxnSpPr>
+          <p:cNvPr id="26" name="Straight Connector 25"/>
+          <p:cNvCxnSpPr>
+            <a:stCxn id="1026" idx="3"/>
+          </p:cNvCxnSpPr>
+          <p:nvPr/>
+        </p:nvCxnSpPr>
+        <p:spPr>
+          <a:xfrm>
+            <a:off x="1023728" y="1955941"/>
+            <a:ext cx="1748072" cy="1025129"/>
+          </a:xfrm>
+          <a:prstGeom prst="line">
+            <a:avLst/>
+          </a:prstGeom>
+        </p:spPr>
+        <p:style>
+          <a:lnRef idx="2">
+            <a:schemeClr val="accent1"/>
+          </a:lnRef>
+          <a:fillRef idx="0">
+            <a:schemeClr val="accent1"/>
+          </a:fillRef>
+          <a:effectRef idx="1">
+            <a:schemeClr val="accent1"/>
+          </a:effectRef>
+          <a:fontRef idx="minor">
+            <a:schemeClr val="tx1"/>
+          </a:fontRef>
+        </p:style>
+      </p:cxnSp>
+      <p:cxnSp>
+        <p:nvCxnSpPr>
+          <p:cNvPr id="29" name="Straight Connector 28"/>
+          <p:cNvCxnSpPr>
+            <a:stCxn id="1026" idx="3"/>
+          </p:cNvCxnSpPr>
+          <p:nvPr/>
+        </p:nvCxnSpPr>
+        <p:spPr>
+          <a:xfrm>
+            <a:off x="1023728" y="1955941"/>
+            <a:ext cx="1748072" cy="688547"/>
+          </a:xfrm>
+          <a:prstGeom prst="line">
+            <a:avLst/>
+          </a:prstGeom>
+        </p:spPr>
+        <p:style>
+          <a:lnRef idx="2">
+            <a:schemeClr val="accent1"/>
+          </a:lnRef>
+          <a:fillRef idx="0">
+            <a:schemeClr val="accent1"/>
+          </a:fillRef>
+          <a:effectRef idx="1">
+            <a:schemeClr val="accent1"/>
+          </a:effectRef>
+          <a:fontRef idx="minor">
+            <a:schemeClr val="tx1"/>
+          </a:fontRef>
+        </p:style>
+      </p:cxnSp>
+      <p:cxnSp>
+        <p:nvCxnSpPr>
+          <p:cNvPr id="32" name="Straight Connector 31"/>
+          <p:cNvCxnSpPr>
+            <a:stCxn id="1026" idx="3"/>
+          </p:cNvCxnSpPr>
+          <p:nvPr/>
+        </p:nvCxnSpPr>
+        <p:spPr>
+          <a:xfrm>
+            <a:off x="1023728" y="1955941"/>
+            <a:ext cx="1748072" cy="1689083"/>
+          </a:xfrm>
+          <a:prstGeom prst="line">
+            <a:avLst/>
+          </a:prstGeom>
+        </p:spPr>
+        <p:style>
+          <a:lnRef idx="2">
+            <a:schemeClr val="accent1"/>
+          </a:lnRef>
+          <a:fillRef idx="0">
+            <a:schemeClr val="accent1"/>
+          </a:fillRef>
+          <a:effectRef idx="1">
+            <a:schemeClr val="accent1"/>
+          </a:effectRef>
+          <a:fontRef idx="minor">
+            <a:schemeClr val="tx1"/>
+          </a:fontRef>
+        </p:style>
+      </p:cxnSp>
+      <p:cxnSp>
+        <p:nvCxnSpPr>
+          <p:cNvPr id="35" name="Straight Connector 34"/>
+          <p:cNvCxnSpPr>
+            <a:stCxn id="1028" idx="3"/>
+          </p:cNvCxnSpPr>
+          <p:nvPr/>
+        </p:nvCxnSpPr>
+        <p:spPr>
+          <a:xfrm>
+            <a:off x="1023728" y="3184562"/>
+            <a:ext cx="1748072" cy="122649"/>
+          </a:xfrm>
+          <a:prstGeom prst="line">
+            <a:avLst/>
+          </a:prstGeom>
+        </p:spPr>
+        <p:style>
+          <a:lnRef idx="2">
+            <a:schemeClr val="accent6"/>
+          </a:lnRef>
+          <a:fillRef idx="0">
+            <a:schemeClr val="accent6"/>
+          </a:fillRef>
+          <a:effectRef idx="1">
+            <a:schemeClr val="accent6"/>
+          </a:effectRef>
+          <a:fontRef idx="minor">
+            <a:schemeClr val="tx1"/>
+          </a:fontRef>
+        </p:style>
+      </p:cxnSp>
+      <p:cxnSp>
+        <p:nvCxnSpPr>
+          <p:cNvPr id="38" name="Straight Connector 37"/>
+          <p:cNvCxnSpPr>
+            <a:stCxn id="1030" idx="3"/>
+          </p:cNvCxnSpPr>
+          <p:nvPr/>
+        </p:nvCxnSpPr>
+        <p:spPr>
+          <a:xfrm>
+            <a:off x="1023729" y="764704"/>
+            <a:ext cx="1748071" cy="853424"/>
+          </a:xfrm>
+          <a:prstGeom prst="line">
+            <a:avLst/>
+          </a:prstGeom>
+        </p:spPr>
+        <p:style>
+          <a:lnRef idx="2">
+            <a:schemeClr val="dk1"/>
+          </a:lnRef>
+          <a:fillRef idx="0">
+            <a:schemeClr val="dk1"/>
+          </a:fillRef>
+          <a:effectRef idx="1">
+            <a:schemeClr val="dk1"/>
+          </a:effectRef>
+          <a:fontRef idx="minor">
+            <a:schemeClr val="tx1"/>
+          </a:fontRef>
+        </p:style>
+      </p:cxnSp>
+      <p:cxnSp>
+        <p:nvCxnSpPr>
+          <p:cNvPr id="41" name="Straight Connector 40"/>
+          <p:cNvCxnSpPr>
+            <a:stCxn id="1028" idx="3"/>
+          </p:cNvCxnSpPr>
+          <p:nvPr/>
+        </p:nvCxnSpPr>
+        <p:spPr>
+          <a:xfrm>
+            <a:off x="1023728" y="3184562"/>
+            <a:ext cx="1748072" cy="470160"/>
+          </a:xfrm>
+          <a:prstGeom prst="line">
+            <a:avLst/>
+          </a:prstGeom>
+        </p:spPr>
+        <p:style>
+          <a:lnRef idx="2">
+            <a:schemeClr val="accent6"/>
+          </a:lnRef>
+          <a:fillRef idx="0">
+            <a:schemeClr val="accent6"/>
+          </a:fillRef>
+          <a:effectRef idx="1">
+            <a:schemeClr val="accent6"/>
+          </a:effectRef>
+          <a:fontRef idx="minor">
+            <a:schemeClr val="tx1"/>
+          </a:fontRef>
+        </p:style>
+      </p:cxnSp>
+      <p:cxnSp>
+        <p:nvCxnSpPr>
+          <p:cNvPr id="44" name="Straight Connector 43"/>
+          <p:cNvCxnSpPr>
+            <a:stCxn id="1028" idx="3"/>
+          </p:cNvCxnSpPr>
+          <p:nvPr/>
+        </p:nvCxnSpPr>
+        <p:spPr>
+          <a:xfrm flipV="1">
+            <a:off x="1023728" y="1946243"/>
+            <a:ext cx="1748072" cy="1238319"/>
+          </a:xfrm>
+          <a:prstGeom prst="line">
+            <a:avLst/>
+          </a:prstGeom>
+        </p:spPr>
+        <p:style>
+          <a:lnRef idx="2">
+            <a:schemeClr val="accent6"/>
+          </a:lnRef>
+          <a:fillRef idx="0">
+            <a:schemeClr val="accent6"/>
+          </a:fillRef>
+          <a:effectRef idx="1">
+            <a:schemeClr val="accent6"/>
+          </a:effectRef>
+          <a:fontRef idx="minor">
+            <a:schemeClr val="tx1"/>
+          </a:fontRef>
+        </p:style>
+      </p:cxnSp>
+    </p:spTree>
+    <p:extLst>
+      <p:ext uri="{BB962C8B-B14F-4D97-AF65-F5344CB8AC3E}">
+        <p14:creationId xmlns:p14="http://schemas.microsoft.com/office/powerpoint/2010/main" val="950036178"/>
+      </p:ext>
+    </p:extLst>
+  </p:cSld>
+  <p:clrMapOvr>
+    <a:masterClrMapping/>
+  </p:clrMapOvr>
+</p:sld>
+</file>
+
 <file path=ppt/theme/theme1.xml><?xml version="1.0" encoding="utf-8"?>
 <a:theme xmlns:a="http://schemas.openxmlformats.org/drawingml/2006/main" name="Larissa-Design">
   <a:themeElements>

--- a/Dokumente/Layouts.pptx
+++ b/Dokumente/Layouts.pptx
@@ -4469,7 +4469,7 @@
           <p:nvPr/>
         </p:nvPicPr>
         <p:blipFill>
-          <a:blip r:embed="rId2" cstate="print">
+          <a:blip r:embed="rId3" cstate="print">
             <a:duotone>
               <a:schemeClr val="accent6">
                 <a:shade val="45000"/>
@@ -4517,7 +4517,14 @@
           <p:nvPr/>
         </p:nvPicPr>
         <p:blipFill>
-          <a:blip r:embed="rId2" cstate="print">
+          <a:blip r:embed="rId4" cstate="print">
+            <a:duotone>
+              <a:schemeClr val="accent3">
+                <a:shade val="45000"/>
+                <a:satMod val="135000"/>
+              </a:schemeClr>
+              <a:prstClr val="white"/>
+            </a:duotone>
             <a:extLst>
               <a:ext uri="{28A0092B-C50C-407E-A947-70E740481C1C}">
                 <a14:useLocalDpi xmlns:a14="http://schemas.microsoft.com/office/drawing/2010/main" val="0"/>
@@ -5108,13 +5115,13 @@
         </p:spPr>
         <p:style>
           <a:lnRef idx="2">
-            <a:schemeClr val="dk1"/>
+            <a:schemeClr val="accent3"/>
           </a:lnRef>
           <a:fillRef idx="0">
-            <a:schemeClr val="dk1"/>
+            <a:schemeClr val="accent3"/>
           </a:fillRef>
           <a:effectRef idx="1">
-            <a:schemeClr val="dk1"/>
+            <a:schemeClr val="accent3"/>
           </a:effectRef>
           <a:fontRef idx="minor">
             <a:schemeClr val="tx1"/>
@@ -5140,13 +5147,13 @@
         </p:spPr>
         <p:style>
           <a:lnRef idx="2">
-            <a:schemeClr val="dk1"/>
+            <a:schemeClr val="accent3"/>
           </a:lnRef>
           <a:fillRef idx="0">
-            <a:schemeClr val="dk1"/>
+            <a:schemeClr val="accent3"/>
           </a:fillRef>
           <a:effectRef idx="1">
-            <a:schemeClr val="dk1"/>
+            <a:schemeClr val="accent3"/>
           </a:effectRef>
           <a:fontRef idx="minor">
             <a:schemeClr val="tx1"/>
@@ -5172,13 +5179,13 @@
         </p:spPr>
         <p:style>
           <a:lnRef idx="2">
-            <a:schemeClr val="dk1"/>
+            <a:schemeClr val="accent3"/>
           </a:lnRef>
           <a:fillRef idx="0">
-            <a:schemeClr val="dk1"/>
+            <a:schemeClr val="accent3"/>
           </a:fillRef>
           <a:effectRef idx="1">
-            <a:schemeClr val="dk1"/>
+            <a:schemeClr val="accent3"/>
           </a:effectRef>
           <a:fontRef idx="minor">
             <a:schemeClr val="tx1"/>
@@ -5364,13 +5371,13 @@
         </p:spPr>
         <p:style>
           <a:lnRef idx="2">
-            <a:schemeClr val="dk1"/>
+            <a:schemeClr val="accent3"/>
           </a:lnRef>
           <a:fillRef idx="0">
-            <a:schemeClr val="dk1"/>
+            <a:schemeClr val="accent3"/>
           </a:fillRef>
           <a:effectRef idx="1">
-            <a:schemeClr val="dk1"/>
+            <a:schemeClr val="accent3"/>
           </a:effectRef>
           <a:fontRef idx="minor">
             <a:schemeClr val="tx1"/>
